--- a/PPT/Ctrip/OneNote And MindManager推荐.pptx
+++ b/PPT/Ctrip/OneNote And MindManager推荐.pptx
@@ -205,7 +205,7 @@
           <a:p>
             <a:fld id="{40ED6098-E640-4F89-91D0-DE7735B669C8}" type="datetimeFigureOut">
               <a:rPr lang="zh-CN" altLang="en-US" smtClean="0"/>
-              <a:t>2014/2/2</a:t>
+              <a:t>2014/2/27</a:t>
             </a:fld>
             <a:endParaRPr lang="zh-CN" altLang="en-US"/>
           </a:p>
@@ -688,7 +688,7 @@
           <a:p>
             <a:fld id="{2CD18735-B326-42B9-BB06-88542C586660}" type="datetimeFigureOut">
               <a:rPr lang="zh-CN" altLang="en-US" smtClean="0"/>
-              <a:t>2014/2/2</a:t>
+              <a:t>2014/2/27</a:t>
             </a:fld>
             <a:endParaRPr lang="zh-CN" altLang="en-US"/>
           </a:p>
@@ -858,7 +858,7 @@
           <a:p>
             <a:fld id="{2CD18735-B326-42B9-BB06-88542C586660}" type="datetimeFigureOut">
               <a:rPr lang="zh-CN" altLang="en-US" smtClean="0"/>
-              <a:t>2014/2/2</a:t>
+              <a:t>2014/2/27</a:t>
             </a:fld>
             <a:endParaRPr lang="zh-CN" altLang="en-US"/>
           </a:p>
@@ -1038,7 +1038,7 @@
           <a:p>
             <a:fld id="{2CD18735-B326-42B9-BB06-88542C586660}" type="datetimeFigureOut">
               <a:rPr lang="zh-CN" altLang="en-US" smtClean="0"/>
-              <a:t>2014/2/2</a:t>
+              <a:t>2014/2/27</a:t>
             </a:fld>
             <a:endParaRPr lang="zh-CN" altLang="en-US"/>
           </a:p>
@@ -1208,7 +1208,7 @@
           <a:p>
             <a:fld id="{2CD18735-B326-42B9-BB06-88542C586660}" type="datetimeFigureOut">
               <a:rPr lang="zh-CN" altLang="en-US" smtClean="0"/>
-              <a:t>2014/2/2</a:t>
+              <a:t>2014/2/27</a:t>
             </a:fld>
             <a:endParaRPr lang="zh-CN" altLang="en-US"/>
           </a:p>
@@ -1454,7 +1454,7 @@
           <a:p>
             <a:fld id="{2CD18735-B326-42B9-BB06-88542C586660}" type="datetimeFigureOut">
               <a:rPr lang="zh-CN" altLang="en-US" smtClean="0"/>
-              <a:t>2014/2/2</a:t>
+              <a:t>2014/2/27</a:t>
             </a:fld>
             <a:endParaRPr lang="zh-CN" altLang="en-US"/>
           </a:p>
@@ -1686,7 +1686,7 @@
           <a:p>
             <a:fld id="{2CD18735-B326-42B9-BB06-88542C586660}" type="datetimeFigureOut">
               <a:rPr lang="zh-CN" altLang="en-US" smtClean="0"/>
-              <a:t>2014/2/2</a:t>
+              <a:t>2014/2/27</a:t>
             </a:fld>
             <a:endParaRPr lang="zh-CN" altLang="en-US"/>
           </a:p>
@@ -2053,7 +2053,7 @@
           <a:p>
             <a:fld id="{2CD18735-B326-42B9-BB06-88542C586660}" type="datetimeFigureOut">
               <a:rPr lang="zh-CN" altLang="en-US" smtClean="0"/>
-              <a:t>2014/2/2</a:t>
+              <a:t>2014/2/27</a:t>
             </a:fld>
             <a:endParaRPr lang="zh-CN" altLang="en-US"/>
           </a:p>
@@ -2171,7 +2171,7 @@
           <a:p>
             <a:fld id="{2CD18735-B326-42B9-BB06-88542C586660}" type="datetimeFigureOut">
               <a:rPr lang="zh-CN" altLang="en-US" smtClean="0"/>
-              <a:t>2014/2/2</a:t>
+              <a:t>2014/2/27</a:t>
             </a:fld>
             <a:endParaRPr lang="zh-CN" altLang="en-US"/>
           </a:p>
@@ -2266,7 +2266,7 @@
           <a:p>
             <a:fld id="{2CD18735-B326-42B9-BB06-88542C586660}" type="datetimeFigureOut">
               <a:rPr lang="zh-CN" altLang="en-US" smtClean="0"/>
-              <a:t>2014/2/2</a:t>
+              <a:t>2014/2/27</a:t>
             </a:fld>
             <a:endParaRPr lang="zh-CN" altLang="en-US"/>
           </a:p>
@@ -2543,7 +2543,7 @@
           <a:p>
             <a:fld id="{2CD18735-B326-42B9-BB06-88542C586660}" type="datetimeFigureOut">
               <a:rPr lang="zh-CN" altLang="en-US" smtClean="0"/>
-              <a:t>2014/2/2</a:t>
+              <a:t>2014/2/27</a:t>
             </a:fld>
             <a:endParaRPr lang="zh-CN" altLang="en-US"/>
           </a:p>
@@ -2796,7 +2796,7 @@
           <a:p>
             <a:fld id="{2CD18735-B326-42B9-BB06-88542C586660}" type="datetimeFigureOut">
               <a:rPr lang="zh-CN" altLang="en-US" smtClean="0"/>
-              <a:t>2014/2/2</a:t>
+              <a:t>2014/2/27</a:t>
             </a:fld>
             <a:endParaRPr lang="zh-CN" altLang="en-US"/>
           </a:p>
@@ -3009,7 +3009,7 @@
           <a:p>
             <a:fld id="{2CD18735-B326-42B9-BB06-88542C586660}" type="datetimeFigureOut">
               <a:rPr lang="zh-CN" altLang="en-US" smtClean="0"/>
-              <a:t>2014/2/2</a:t>
+              <a:t>2014/2/27</a:t>
             </a:fld>
             <a:endParaRPr lang="zh-CN" altLang="en-US"/>
           </a:p>
@@ -3479,10 +3479,6 @@
               <a:rPr lang="en-US" altLang="zh-CN" sz="2800" b="1" dirty="0" smtClean="0"/>
               <a:t>)</a:t>
             </a:r>
-            <a:r>
-              <a:rPr lang="en-US" altLang="zh-CN" sz="2800" b="1" dirty="0" smtClean="0"/>
-              <a:t/>
-            </a:r>
             <a:br>
               <a:rPr lang="en-US" altLang="zh-CN" sz="2800" b="1" dirty="0" smtClean="0"/>
             </a:br>
@@ -4562,7 +4558,7 @@
         <a:sysClr val="windowText" lastClr="000000"/>
       </a:dk1>
       <a:lt1>
-        <a:sysClr val="window" lastClr="FFFFFF"/>
+        <a:sysClr val="window" lastClr="CCE8CF"/>
       </a:lt1>
       <a:dk2>
         <a:srgbClr val="44546A"/>
@@ -4823,7 +4819,7 @@
         <a:sysClr val="windowText" lastClr="000000"/>
       </a:dk1>
       <a:lt1>
-        <a:sysClr val="window" lastClr="FFFFFF"/>
+        <a:sysClr val="window" lastClr="CCE8CF"/>
       </a:lt1>
       <a:dk2>
         <a:srgbClr val="44546A"/>
